--- a/saturn/saturn-payment-credential.pptx
+++ b/saturn/saturn-payment-credential.pptx
@@ -3165,14 +3165,14 @@
           <p:nvPr>
             <p:extLst>
               <p:ext uri="{D42A27DB-BD31-4B8C-83A1-F6EECF244321}">
-                <p14:modId xmlns:p14="http://schemas.microsoft.com/office/powerpoint/2010/main" val="3579749436"/>
+                <p14:modId xmlns:p14="http://schemas.microsoft.com/office/powerpoint/2010/main" val="591484918"/>
               </p:ext>
             </p:extLst>
           </p:nvPr>
         </p:nvGraphicFramePr>
         <p:xfrm>
           <a:off x="401398" y="698558"/>
-          <a:ext cx="8352928" cy="5705040"/>
+          <a:ext cx="8352928" cy="5887920"/>
         </p:xfrm>
         <a:graphic>
           <a:graphicData uri="http://schemas.openxmlformats.org/drawingml/2006/table">
@@ -3283,7 +3283,11 @@
                     <a:p>
                       <a:r>
                         <a:rPr lang="en-US" sz="1200" b="1" dirty="0" smtClean="0"/>
-                        <a:t>https://bankdirect.org</a:t>
+                        <a:t>https://</a:t>
+                      </a:r>
+                      <a:r>
+                        <a:rPr lang="en-US" sz="1200" b="1" dirty="0" smtClean="0"/>
+                        <a:t>bankdirect.net</a:t>
                       </a:r>
                       <a:endParaRPr lang="en-US" sz="1200" b="1" dirty="0"/>
                     </a:p>
@@ -3511,7 +3515,22 @@
                       </a:r>
                       <a:r>
                         <a:rPr lang="en-US" sz="1200" baseline="0" dirty="0" smtClean="0"/>
-                        <a:t>), telling the client how to encrypt authorized data</a:t>
+                        <a:t>), telling the client how to encrypt </a:t>
+                      </a:r>
+                      <a:r>
+                        <a:rPr lang="en-US" sz="1200" baseline="0" dirty="0" smtClean="0"/>
+                        <a:t>user authorization data (</a:t>
+                      </a:r>
+                      <a:r>
+                        <a:rPr lang="en-US" sz="1200" baseline="0" smtClean="0"/>
+                        <a:t>an alternative to</a:t>
+                      </a:r>
+                      <a:endParaRPr lang="en-US" sz="1200" baseline="0" dirty="0" smtClean="0"/>
+                    </a:p>
+                    <a:p>
+                      <a:r>
+                        <a:rPr lang="en-US" sz="1200" baseline="0" dirty="0" smtClean="0"/>
+                        <a:t>“tokenization”).</a:t>
                       </a:r>
                       <a:endParaRPr lang="en-US" sz="1200" dirty="0"/>
                     </a:p>
@@ -3761,7 +3780,7 @@
         </p:blipFill>
         <p:spPr>
           <a:xfrm>
-            <a:off x="5441958" y="5427106"/>
+            <a:off x="5441958" y="5604071"/>
             <a:ext cx="1584176" cy="993281"/>
           </a:xfrm>
           <a:prstGeom prst="rect">

--- a/saturn/saturn-payment-credential.pptx
+++ b/saturn/saturn-payment-credential.pptx
@@ -3133,8 +3133,8 @@
         </p:nvSpPr>
         <p:spPr>
           <a:xfrm>
-            <a:off x="2864768" y="188640"/>
-            <a:ext cx="3443635" cy="400110"/>
+            <a:off x="2814273" y="188640"/>
+            <a:ext cx="3544625" cy="400110"/>
           </a:xfrm>
           <a:prstGeom prst="rect">
             <a:avLst/>
@@ -3150,7 +3150,11 @@
             <a:pPr algn="ctr"/>
             <a:r>
               <a:rPr lang="en-US" sz="2000" dirty="0" smtClean="0"/>
-              <a:t>Saturn V3 - Payment Credential</a:t>
+              <a:t>Saturn V3 - Payment </a:t>
+            </a:r>
+            <a:r>
+              <a:rPr lang="en-US" sz="2000" dirty="0" smtClean="0"/>
+              <a:t>Credentials</a:t>
             </a:r>
             <a:endParaRPr lang="en-US" sz="2000" dirty="0"/>
           </a:p>
@@ -3165,7 +3169,7 @@
           <p:nvPr>
             <p:extLst>
               <p:ext uri="{D42A27DB-BD31-4B8C-83A1-F6EECF244321}">
-                <p14:modId xmlns:p14="http://schemas.microsoft.com/office/powerpoint/2010/main" val="591484918"/>
+                <p14:modId xmlns:p14="http://schemas.microsoft.com/office/powerpoint/2010/main" val="393401109"/>
               </p:ext>
             </p:extLst>
           </p:nvPr>
@@ -3224,7 +3228,7 @@
                       <a:pPr algn="ctr"/>
                       <a:r>
                         <a:rPr lang="en-US" sz="1600" dirty="0" smtClean="0"/>
-                        <a:t>Example</a:t>
+                        <a:t>Example/Implementation</a:t>
                       </a:r>
                       <a:endParaRPr lang="en-US" sz="1600" dirty="0"/>
                     </a:p>
@@ -3283,11 +3287,7 @@
                     <a:p>
                       <a:r>
                         <a:rPr lang="en-US" sz="1200" b="1" dirty="0" smtClean="0"/>
-                        <a:t>https://</a:t>
-                      </a:r>
-                      <a:r>
-                        <a:rPr lang="en-US" sz="1200" b="1" dirty="0" smtClean="0"/>
-                        <a:t>bankdirect.net</a:t>
+                        <a:t>https://bankdirect.net</a:t>
                       </a:r>
                       <a:endParaRPr lang="en-US" sz="1200" b="1" dirty="0"/>
                     </a:p>
@@ -3503,11 +3503,19 @@
                     <a:p>
                       <a:r>
                         <a:rPr lang="en-US" sz="1200" dirty="0" smtClean="0"/>
-                        <a:t>Holds a</a:t>
+                        <a:t>Holds </a:t>
+                      </a:r>
+                      <a:r>
+                        <a:rPr lang="en-US" sz="1200" dirty="0" smtClean="0"/>
+                        <a:t>an object </a:t>
                       </a:r>
                       <a:r>
                         <a:rPr lang="en-US" sz="1200" baseline="0" dirty="0" smtClean="0"/>
-                        <a:t> record with parameters (</a:t>
+                        <a:t>with </a:t>
+                      </a:r>
+                      <a:r>
+                        <a:rPr lang="en-US" sz="1200" baseline="0" dirty="0" smtClean="0"/>
+                        <a:t>parameters (</a:t>
                       </a:r>
                       <a:r>
                         <a:rPr lang="en-US" sz="1200" i="1" baseline="0" dirty="0" smtClean="0"/>
@@ -3515,17 +3523,8 @@
                       </a:r>
                       <a:r>
                         <a:rPr lang="en-US" sz="1200" baseline="0" dirty="0" smtClean="0"/>
-                        <a:t>), telling the client how to encrypt </a:t>
-                      </a:r>
-                      <a:r>
-                        <a:rPr lang="en-US" sz="1200" baseline="0" dirty="0" smtClean="0"/>
-                        <a:t>user authorization data (</a:t>
-                      </a:r>
-                      <a:r>
-                        <a:rPr lang="en-US" sz="1200" baseline="0" smtClean="0"/>
-                        <a:t>an alternative to</a:t>
-                      </a:r>
-                      <a:endParaRPr lang="en-US" sz="1200" baseline="0" dirty="0" smtClean="0"/>
+                        <a:t>), telling the client how to encrypt user authorization data (an alternative to</a:t>
+                      </a:r>
                     </a:p>
                     <a:p>
                       <a:r>
@@ -3797,7 +3796,7 @@
         <p:spPr>
           <a:xfrm>
             <a:off x="0" y="6645370"/>
-            <a:ext cx="1293944" cy="215444"/>
+            <a:ext cx="1564852" cy="215444"/>
           </a:xfrm>
           <a:prstGeom prst="rect">
             <a:avLst/>
@@ -3811,6 +3810,13 @@
           <a:lstStyle/>
           <a:p>
             <a:r>
+              <a:rPr lang="en-US" sz="800" dirty="0" smtClean="0">
+                <a:latin typeface="Arial" panose="020B0604020202020204" pitchFamily="34" charset="0"/>
+                <a:cs typeface="Arial" panose="020B0604020202020204" pitchFamily="34" charset="0"/>
+              </a:rPr>
+              <a:t>V0.8, </a:t>
+            </a:r>
+            <a:r>
               <a:rPr lang="en-US" sz="800" dirty="0" err="1" smtClean="0">
                 <a:latin typeface="Arial" panose="020B0604020202020204" pitchFamily="34" charset="0"/>
                 <a:cs typeface="Arial" panose="020B0604020202020204" pitchFamily="34" charset="0"/>
@@ -3822,7 +3828,14 @@
                 <a:latin typeface="Arial" panose="020B0604020202020204" pitchFamily="34" charset="0"/>
                 <a:cs typeface="Arial" panose="020B0604020202020204" pitchFamily="34" charset="0"/>
               </a:rPr>
-              <a:t> 2019-08-11</a:t>
+              <a:t> </a:t>
+            </a:r>
+            <a:r>
+              <a:rPr lang="en-US" sz="800" dirty="0" smtClean="0">
+                <a:latin typeface="Arial" panose="020B0604020202020204" pitchFamily="34" charset="0"/>
+                <a:cs typeface="Arial" panose="020B0604020202020204" pitchFamily="34" charset="0"/>
+              </a:rPr>
+              <a:t>2019-08-11</a:t>
             </a:r>
             <a:endParaRPr lang="en-US" sz="800" dirty="0">
               <a:latin typeface="Arial" panose="020B0604020202020204" pitchFamily="34" charset="0"/>
